--- a/3/3.pptx
+++ b/3/3.pptx
@@ -148,29 +148,6 @@
     </p:extLst>
   </p:cmAuthor>
 </p:cmAuthorLst>
-</file>
-
-<file path=ppt/comments/comment1.xml><?xml version="1.0" encoding="utf-8"?>
-<p:cmLst xmlns:a="http://schemas.openxmlformats.org/drawingml/2006/main" xmlns:r="http://schemas.openxmlformats.org/officeDocument/2006/relationships" xmlns:p="http://schemas.openxmlformats.org/presentationml/2006/main">
-  <p:cm authorId="1" dt="2019-06-25T21:48:35.875" idx="1">
-    <p:pos x="3121" y="2273"/>
-    <p:text>有源</p:text>
-    <p:extLst>
-      <p:ext uri="{C676402C-5697-4E1C-873F-D02D1690AC5C}">
-        <p15:threadingInfo xmlns:p15="http://schemas.microsoft.com/office/powerpoint/2012/main" timeZoneBias="-480"/>
-      </p:ext>
-    </p:extLst>
-  </p:cm>
-  <p:cm authorId="1" dt="2019-06-25T21:48:59.537" idx="2">
-    <p:pos x="7152" y="1150"/>
-    <p:text>无源</p:text>
-    <p:extLst>
-      <p:ext uri="{C676402C-5697-4E1C-873F-D02D1690AC5C}">
-        <p15:threadingInfo xmlns:p15="http://schemas.microsoft.com/office/powerpoint/2012/main" timeZoneBias="-480"/>
-      </p:ext>
-    </p:extLst>
-  </p:cm>
-</p:cmLst>
 </file>
 
 <file path=ppt/slideLayouts/slideLayout1.xml><?xml version="1.0" encoding="utf-8"?>
@@ -689,7 +666,7 @@
           <a:p>
             <a:fld id="{530820CF-B880-4189-942D-D702A7CBA730}" type="datetimeFigureOut">
               <a:rPr lang="zh-CN" altLang="en-US" smtClean="0"/>
-              <a:t>2021/7/5</a:t>
+              <a:t>2021/7/7</a:t>
             </a:fld>
             <a:endParaRPr lang="zh-CN" altLang="en-US"/>
           </a:p>
@@ -1088,7 +1065,7 @@
           <a:p>
             <a:fld id="{530820CF-B880-4189-942D-D702A7CBA730}" type="datetimeFigureOut">
               <a:rPr lang="zh-CN" altLang="en-US" smtClean="0"/>
-              <a:t>2021/7/5</a:t>
+              <a:t>2021/7/7</a:t>
             </a:fld>
             <a:endParaRPr lang="zh-CN" altLang="en-US"/>
           </a:p>
@@ -1348,7 +1325,7 @@
           <a:p>
             <a:fld id="{530820CF-B880-4189-942D-D702A7CBA730}" type="datetimeFigureOut">
               <a:rPr lang="zh-CN" altLang="en-US" smtClean="0"/>
-              <a:t>2021/7/5</a:t>
+              <a:t>2021/7/7</a:t>
             </a:fld>
             <a:endParaRPr lang="zh-CN" altLang="en-US"/>
           </a:p>
@@ -1900,7 +1877,7 @@
           <a:p>
             <a:fld id="{530820CF-B880-4189-942D-D702A7CBA730}" type="datetimeFigureOut">
               <a:rPr lang="zh-CN" altLang="en-US" smtClean="0"/>
-              <a:t>2021/7/5</a:t>
+              <a:t>2021/7/7</a:t>
             </a:fld>
             <a:endParaRPr lang="zh-CN" altLang="en-US"/>
           </a:p>
@@ -2160,7 +2137,7 @@
           <a:p>
             <a:fld id="{530820CF-B880-4189-942D-D702A7CBA730}" type="datetimeFigureOut">
               <a:rPr lang="zh-CN" altLang="en-US" smtClean="0"/>
-              <a:t>2021/7/5</a:t>
+              <a:t>2021/7/7</a:t>
             </a:fld>
             <a:endParaRPr lang="zh-CN" altLang="en-US"/>
           </a:p>
@@ -2704,7 +2681,7 @@
           <a:p>
             <a:fld id="{530820CF-B880-4189-942D-D702A7CBA730}" type="datetimeFigureOut">
               <a:rPr lang="zh-CN" altLang="en-US" smtClean="0"/>
-              <a:t>2021/7/5</a:t>
+              <a:t>2021/7/7</a:t>
             </a:fld>
             <a:endParaRPr lang="zh-CN" altLang="en-US"/>
           </a:p>
@@ -3013,7 +2990,7 @@
           <a:p>
             <a:fld id="{530820CF-B880-4189-942D-D702A7CBA730}" type="datetimeFigureOut">
               <a:rPr lang="zh-CN" altLang="en-US" smtClean="0"/>
-              <a:t>2021/7/5</a:t>
+              <a:t>2021/7/7</a:t>
             </a:fld>
             <a:endParaRPr lang="zh-CN" altLang="en-US"/>
           </a:p>
@@ -3199,7 +3176,7 @@
           <a:p>
             <a:fld id="{530820CF-B880-4189-942D-D702A7CBA730}" type="datetimeFigureOut">
               <a:rPr lang="zh-CN" altLang="en-US" smtClean="0"/>
-              <a:t>2021/7/5</a:t>
+              <a:t>2021/7/7</a:t>
             </a:fld>
             <a:endParaRPr lang="zh-CN" altLang="en-US"/>
           </a:p>
@@ -3391,7 +3368,7 @@
           <a:p>
             <a:fld id="{530820CF-B880-4189-942D-D702A7CBA730}" type="datetimeFigureOut">
               <a:rPr lang="zh-CN" altLang="en-US" smtClean="0"/>
-              <a:t>2021/7/5</a:t>
+              <a:t>2021/7/7</a:t>
             </a:fld>
             <a:endParaRPr lang="zh-CN" altLang="en-US"/>
           </a:p>
@@ -3588,7 +3565,7 @@
           <a:p>
             <a:fld id="{530820CF-B880-4189-942D-D702A7CBA730}" type="datetimeFigureOut">
               <a:rPr lang="zh-CN" altLang="en-US" smtClean="0"/>
-              <a:t>2021/7/5</a:t>
+              <a:t>2021/7/7</a:t>
             </a:fld>
             <a:endParaRPr lang="zh-CN" altLang="en-US"/>
           </a:p>
@@ -3856,7 +3833,7 @@
           <a:p>
             <a:fld id="{530820CF-B880-4189-942D-D702A7CBA730}" type="datetimeFigureOut">
               <a:rPr lang="zh-CN" altLang="en-US" smtClean="0"/>
-              <a:t>2021/7/5</a:t>
+              <a:t>2021/7/7</a:t>
             </a:fld>
             <a:endParaRPr lang="zh-CN" altLang="en-US"/>
           </a:p>
@@ -4170,7 +4147,7 @@
           <a:p>
             <a:fld id="{530820CF-B880-4189-942D-D702A7CBA730}" type="datetimeFigureOut">
               <a:rPr lang="zh-CN" altLang="en-US" smtClean="0"/>
-              <a:t>2021/7/5</a:t>
+              <a:t>2021/7/7</a:t>
             </a:fld>
             <a:endParaRPr lang="zh-CN" altLang="en-US"/>
           </a:p>
@@ -4624,7 +4601,7 @@
           <a:p>
             <a:fld id="{530820CF-B880-4189-942D-D702A7CBA730}" type="datetimeFigureOut">
               <a:rPr lang="zh-CN" altLang="en-US" smtClean="0"/>
-              <a:t>2021/7/5</a:t>
+              <a:t>2021/7/7</a:t>
             </a:fld>
             <a:endParaRPr lang="zh-CN" altLang="en-US"/>
           </a:p>
@@ -4754,7 +4731,7 @@
           <a:p>
             <a:fld id="{530820CF-B880-4189-942D-D702A7CBA730}" type="datetimeFigureOut">
               <a:rPr lang="zh-CN" altLang="en-US" smtClean="0"/>
-              <a:t>2021/7/5</a:t>
+              <a:t>2021/7/7</a:t>
             </a:fld>
             <a:endParaRPr lang="zh-CN" altLang="en-US"/>
           </a:p>
@@ -4861,7 +4838,7 @@
           <a:p>
             <a:fld id="{530820CF-B880-4189-942D-D702A7CBA730}" type="datetimeFigureOut">
               <a:rPr lang="zh-CN" altLang="en-US" smtClean="0"/>
-              <a:t>2021/7/5</a:t>
+              <a:t>2021/7/7</a:t>
             </a:fld>
             <a:endParaRPr lang="zh-CN" altLang="en-US"/>
           </a:p>
@@ -5156,7 +5133,7 @@
           <a:p>
             <a:fld id="{530820CF-B880-4189-942D-D702A7CBA730}" type="datetimeFigureOut">
               <a:rPr lang="zh-CN" altLang="en-US" smtClean="0"/>
-              <a:t>2021/7/5</a:t>
+              <a:t>2021/7/7</a:t>
             </a:fld>
             <a:endParaRPr lang="zh-CN" altLang="en-US"/>
           </a:p>
@@ -5459,7 +5436,7 @@
           <a:p>
             <a:fld id="{530820CF-B880-4189-942D-D702A7CBA730}" type="datetimeFigureOut">
               <a:rPr lang="zh-CN" altLang="en-US" smtClean="0"/>
-              <a:t>2021/7/5</a:t>
+              <a:t>2021/7/7</a:t>
             </a:fld>
             <a:endParaRPr lang="zh-CN" altLang="en-US"/>
           </a:p>
@@ -5995,7 +5972,7 @@
           <a:p>
             <a:fld id="{530820CF-B880-4189-942D-D702A7CBA730}" type="datetimeFigureOut">
               <a:rPr lang="zh-CN" altLang="en-US" smtClean="0"/>
-              <a:t>2021/7/5</a:t>
+              <a:t>2021/7/7</a:t>
             </a:fld>
             <a:endParaRPr lang="zh-CN" altLang="en-US"/>
           </a:p>
@@ -6927,15 +6904,7 @@
           <a:p>
             <a:r>
               <a:rPr lang="zh-CN" altLang="zh-CN" dirty="0"/>
-              <a:t>本实验</a:t>
-            </a:r>
-            <a:r>
-              <a:rPr lang="zh-CN" altLang="en-US" dirty="0"/>
-              <a:t>使</a:t>
-            </a:r>
-            <a:r>
-              <a:rPr lang="zh-CN" altLang="zh-CN" dirty="0"/>
-              <a:t>电路发出声音，最常见的元器件就是小型蜂鸣器</a:t>
+              <a:t>最常见的元器件就是小型蜂鸣器</a:t>
             </a:r>
             <a:r>
               <a:rPr lang="zh-CN" altLang="en-US" dirty="0"/>
@@ -7083,7 +7052,7 @@
           <a:p>
             <a:r>
               <a:rPr lang="zh-CN" altLang="zh-CN" dirty="0"/>
-              <a:t>从外观上看，两种蜂鸣器好像一样，如果将蜂鸣器引脚朝上时，可以看到，有绿色电路板的是一种无源蜂鸣器，没有电路板而使用黑胶密封的是一种有源蜂鸣器</a:t>
+              <a:t>将蜂鸣器引脚朝上，有绿色电路板的是无源蜂鸣器，没有电路板而使用黑胶密封的是有源蜂鸣器</a:t>
             </a:r>
             <a:endParaRPr lang="en-US" altLang="zh-CN" dirty="0"/>
           </a:p>
@@ -7261,14 +7230,6 @@
             </a:pPr>
             <a:r>
               <a:rPr lang="zh-CN" altLang="zh-CN" dirty="0"/>
-              <a:t>注意</a:t>
-            </a:r>
-            <a:r>
-              <a:rPr lang="en-US" altLang="zh-CN" dirty="0"/>
-              <a:t>:</a:t>
-            </a:r>
-            <a:r>
-              <a:rPr lang="zh-CN" altLang="zh-CN" dirty="0"/>
               <a:t>这里的</a:t>
             </a:r>
             <a:r>
@@ -7295,11 +7256,11 @@
             </a:pPr>
             <a:r>
               <a:rPr lang="zh-CN" altLang="zh-CN" dirty="0"/>
-              <a:t>也就是说，有源蜂鸣器内部带震荡源，所以只要一通电就会叫</a:t>
-            </a:r>
-            <a:r>
-              <a:rPr lang="en-US" altLang="zh-CN" dirty="0"/>
-              <a:t>;</a:t>
+              <a:t>有源蜂鸣器内部带震荡源，一通电就会叫</a:t>
+            </a:r>
+            <a:r>
+              <a:rPr lang="zh-CN" altLang="en-US" dirty="0"/>
+              <a:t>。</a:t>
             </a:r>
             <a:endParaRPr lang="zh-CN" altLang="zh-CN" dirty="0"/>
           </a:p>
@@ -7310,7 +7271,7 @@
             </a:pPr>
             <a:r>
               <a:rPr lang="zh-CN" altLang="zh-CN" dirty="0"/>
-              <a:t>而无源内部不带震荡源，所以如果用直流信号无法令其鸣叫。必须用</a:t>
+              <a:t>无源蜂鸣器内部不带震荡源，所以用直流信号无法令其鸣叫。必须用</a:t>
             </a:r>
             <a:r>
               <a:rPr lang="en-US" altLang="zh-CN" dirty="0"/>
@@ -7320,6 +7281,11 @@
               <a:rPr lang="zh-CN" altLang="zh-CN" dirty="0"/>
               <a:t>的方波去驱动它</a:t>
             </a:r>
+            <a:r>
+              <a:rPr lang="zh-CN" altLang="en-US" dirty="0"/>
+              <a:t>。</a:t>
+            </a:r>
+            <a:endParaRPr lang="zh-CN" altLang="zh-CN" dirty="0"/>
           </a:p>
           <a:p>
             <a:pPr marL="914400" lvl="1" indent="-457200">
@@ -7328,11 +7294,8 @@
             </a:pPr>
             <a:r>
               <a:rPr lang="zh-CN" altLang="zh-CN" dirty="0"/>
-              <a:t>有源蜂鸣器往往比无源的贵，就是因为里面多个震荡电路。</a:t>
-            </a:r>
-          </a:p>
-          <a:p>
-            <a:endParaRPr lang="zh-CN" altLang="en-US" dirty="0"/>
+              <a:t>有源蜂鸣器比无源的贵，因为多个震荡电路。</a:t>
+            </a:r>
           </a:p>
         </p:txBody>
       </p:sp>
@@ -7410,7 +7373,7 @@
             </a:r>
             <a:r>
               <a:rPr lang="zh-CN" altLang="en-US" dirty="0"/>
-              <a:t>：使蜂鸣器发声（一）</a:t>
+              <a:t>：蜂鸣器发声（一）</a:t>
             </a:r>
           </a:p>
         </p:txBody>
@@ -7439,7 +7402,7 @@
             <a:pPr lvl="0"/>
             <a:r>
               <a:rPr lang="zh-CN" altLang="en-US" dirty="0"/>
-              <a:t>使蜂鸣器发声，并且改变发声频率。</a:t>
+              <a:t>蜂鸣器发声，改变发声频率。</a:t>
             </a:r>
             <a:endParaRPr lang="en-US" altLang="zh-CN" dirty="0"/>
           </a:p>
@@ -7501,7 +7464,7 @@
             </a:pPr>
             <a:r>
               <a:rPr lang="zh-CN" altLang="en-US" dirty="0"/>
-              <a:t>无源</a:t>
+              <a:t>有源</a:t>
             </a:r>
             <a:r>
               <a:rPr lang="zh-CN" altLang="zh-CN" dirty="0"/>
@@ -7724,7 +7687,7 @@
         </p:spPr>
         <p:txBody>
           <a:bodyPr>
-            <a:normAutofit fontScale="85000" lnSpcReduction="20000"/>
+            <a:normAutofit fontScale="85000" lnSpcReduction="10000"/>
           </a:bodyPr>
           <a:lstStyle/>
           <a:p>
@@ -7734,7 +7697,11 @@
             </a:r>
             <a:r>
               <a:rPr lang="zh-CN" altLang="zh-CN" dirty="0"/>
-              <a:t>能够控制好频率和节拍，就可能演奏出动听的音乐。因此，首先需要搞清楚各音调的频率，具体见下表：</a:t>
+              <a:t>能够控制好频率和节拍，就能演奏出动听的音乐。首先需要搞清楚各音调的频率</a:t>
+            </a:r>
+            <a:r>
+              <a:rPr lang="zh-CN" altLang="en-US" dirty="0"/>
+              <a:t>。</a:t>
             </a:r>
             <a:endParaRPr lang="en-US" altLang="zh-CN" dirty="0"/>
           </a:p>
@@ -7762,14 +7729,14 @@
           <p:nvPr>
             <p:extLst>
               <p:ext uri="{D42A27DB-BD31-4B8C-83A1-F6EECF244321}">
-                <p14:modId xmlns:p14="http://schemas.microsoft.com/office/powerpoint/2010/main" val="1622092782"/>
+                <p14:modId xmlns:p14="http://schemas.microsoft.com/office/powerpoint/2010/main" val="941917970"/>
               </p:ext>
             </p:extLst>
           </p:nvPr>
         </p:nvGraphicFramePr>
         <p:xfrm>
           <a:off x="1627240" y="3124196"/>
-          <a:ext cx="9955161" cy="3276603"/>
+          <a:ext cx="9383266" cy="3050360"/>
         </p:xfrm>
         <a:graphic>
           <a:graphicData uri="http://schemas.openxmlformats.org/drawingml/2006/table">
@@ -7778,56 +7745,56 @@
                 <a:tableStyleId>{5C22544A-7EE6-4342-B048-85BDC9FD1C3A}</a:tableStyleId>
               </a:tblPr>
               <a:tblGrid>
-                <a:gridCol w="1586604">
+                <a:gridCol w="1495458">
                   <a:extLst>
                     <a:ext uri="{9D8B030D-6E8A-4147-A177-3AD203B41FA5}">
                       <a16:colId xmlns:a16="http://schemas.microsoft.com/office/drawing/2014/main" val="4126502168"/>
                     </a:ext>
                   </a:extLst>
                 </a:gridCol>
-                <a:gridCol w="1153982">
+                <a:gridCol w="1087689">
                   <a:extLst>
                     <a:ext uri="{9D8B030D-6E8A-4147-A177-3AD203B41FA5}">
                       <a16:colId xmlns:a16="http://schemas.microsoft.com/office/drawing/2014/main" val="66609485"/>
                     </a:ext>
                   </a:extLst>
                 </a:gridCol>
-                <a:gridCol w="1168565">
+                <a:gridCol w="1101434">
                   <a:extLst>
                     <a:ext uri="{9D8B030D-6E8A-4147-A177-3AD203B41FA5}">
                       <a16:colId xmlns:a16="http://schemas.microsoft.com/office/drawing/2014/main" val="299088012"/>
                     </a:ext>
                   </a:extLst>
                 </a:gridCol>
-                <a:gridCol w="1190926">
+                <a:gridCol w="1122511">
                   <a:extLst>
                     <a:ext uri="{9D8B030D-6E8A-4147-A177-3AD203B41FA5}">
                       <a16:colId xmlns:a16="http://schemas.microsoft.com/office/drawing/2014/main" val="209322956"/>
                     </a:ext>
                   </a:extLst>
                 </a:gridCol>
-                <a:gridCol w="1134537">
+                <a:gridCol w="1069361">
                   <a:extLst>
                     <a:ext uri="{9D8B030D-6E8A-4147-A177-3AD203B41FA5}">
                       <a16:colId xmlns:a16="http://schemas.microsoft.com/office/drawing/2014/main" val="955873286"/>
                     </a:ext>
                   </a:extLst>
                 </a:gridCol>
-                <a:gridCol w="1247311">
+                <a:gridCol w="1175657">
                   <a:extLst>
                     <a:ext uri="{9D8B030D-6E8A-4147-A177-3AD203B41FA5}">
                       <a16:colId xmlns:a16="http://schemas.microsoft.com/office/drawing/2014/main" val="365341196"/>
                     </a:ext>
                   </a:extLst>
                 </a:gridCol>
-                <a:gridCol w="1225925">
+                <a:gridCol w="1155499">
                   <a:extLst>
                     <a:ext uri="{9D8B030D-6E8A-4147-A177-3AD203B41FA5}">
                       <a16:colId xmlns:a16="http://schemas.microsoft.com/office/drawing/2014/main" val="3752795552"/>
                     </a:ext>
                   </a:extLst>
                 </a:gridCol>
-                <a:gridCol w="1247311">
+                <a:gridCol w="1175657">
                   <a:extLst>
                     <a:ext uri="{9D8B030D-6E8A-4147-A177-3AD203B41FA5}">
                       <a16:colId xmlns:a16="http://schemas.microsoft.com/office/drawing/2014/main" val="2840919067"/>
@@ -7835,7 +7802,7 @@
                   </a:extLst>
                 </a:gridCol>
               </a:tblGrid>
-              <a:tr h="417959">
+              <a:tr h="389100">
                 <a:tc>
                   <a:txBody>
                     <a:bodyPr/>
@@ -8119,7 +8086,7 @@
                   </a:ext>
                 </a:extLst>
               </a:tr>
-              <a:tr h="359185">
+              <a:tr h="334384">
                 <a:tc>
                   <a:txBody>
                     <a:bodyPr/>
@@ -8382,7 +8349,7 @@
                   </a:ext>
                 </a:extLst>
               </a:tr>
-              <a:tr h="673976">
+              <a:tr h="627439">
                 <a:tc>
                   <a:txBody>
                     <a:bodyPr/>
@@ -8645,7 +8612,7 @@
                   </a:ext>
                 </a:extLst>
               </a:tr>
-              <a:tr h="359185">
+              <a:tr h="334384">
                 <a:tc>
                   <a:txBody>
                     <a:bodyPr/>
@@ -8908,7 +8875,7 @@
                   </a:ext>
                 </a:extLst>
               </a:tr>
-              <a:tr h="359185">
+              <a:tr h="334384">
                 <a:tc>
                   <a:txBody>
                     <a:bodyPr/>
@@ -9171,7 +9138,7 @@
                   </a:ext>
                 </a:extLst>
               </a:tr>
-              <a:tr h="359185">
+              <a:tr h="334384">
                 <a:tc>
                   <a:txBody>
                     <a:bodyPr/>
@@ -9434,7 +9401,7 @@
                   </a:ext>
                 </a:extLst>
               </a:tr>
-              <a:tr h="359185">
+              <a:tr h="334384">
                 <a:tc>
                   <a:txBody>
                     <a:bodyPr/>
@@ -9697,7 +9664,7 @@
                   </a:ext>
                 </a:extLst>
               </a:tr>
-              <a:tr h="388743">
+              <a:tr h="361901">
                 <a:tc>
                   <a:txBody>
                     <a:bodyPr/>
@@ -10089,14 +10056,14 @@
           <p:nvPr>
             <p:extLst>
               <p:ext uri="{D42A27DB-BD31-4B8C-83A1-F6EECF244321}">
-                <p14:modId xmlns:p14="http://schemas.microsoft.com/office/powerpoint/2010/main" val="1418432887"/>
+                <p14:modId xmlns:p14="http://schemas.microsoft.com/office/powerpoint/2010/main" val="32688379"/>
               </p:ext>
             </p:extLst>
           </p:nvPr>
         </p:nvGraphicFramePr>
         <p:xfrm>
-          <a:off x="1309512" y="2517768"/>
-          <a:ext cx="10336159" cy="3476030"/>
+          <a:off x="1527142" y="2517768"/>
+          <a:ext cx="9624766" cy="3476030"/>
         </p:xfrm>
         <a:graphic>
           <a:graphicData uri="http://schemas.openxmlformats.org/drawingml/2006/table">
@@ -10105,56 +10072,56 @@
                 <a:tableStyleId>{5C22544A-7EE6-4342-B048-85BDC9FD1C3A}</a:tableStyleId>
               </a:tblPr>
               <a:tblGrid>
-                <a:gridCol w="1404097">
+                <a:gridCol w="1128570">
                   <a:extLst>
                     <a:ext uri="{9D8B030D-6E8A-4147-A177-3AD203B41FA5}">
                       <a16:colId xmlns:a16="http://schemas.microsoft.com/office/drawing/2014/main" val="3840871613"/>
                     </a:ext>
                   </a:extLst>
                 </a:gridCol>
-                <a:gridCol w="1248433">
+                <a:gridCol w="1187512">
                   <a:extLst>
                     <a:ext uri="{9D8B030D-6E8A-4147-A177-3AD203B41FA5}">
                       <a16:colId xmlns:a16="http://schemas.microsoft.com/office/drawing/2014/main" val="1208086291"/>
                     </a:ext>
                   </a:extLst>
                 </a:gridCol>
-                <a:gridCol w="1246359">
+                <a:gridCol w="1185539">
                   <a:extLst>
                     <a:ext uri="{9D8B030D-6E8A-4147-A177-3AD203B41FA5}">
                       <a16:colId xmlns:a16="http://schemas.microsoft.com/office/drawing/2014/main" val="1622046972"/>
                     </a:ext>
                   </a:extLst>
                 </a:gridCol>
-                <a:gridCol w="1248433">
+                <a:gridCol w="1187512">
                   <a:extLst>
                     <a:ext uri="{9D8B030D-6E8A-4147-A177-3AD203B41FA5}">
                       <a16:colId xmlns:a16="http://schemas.microsoft.com/office/drawing/2014/main" val="556932661"/>
                     </a:ext>
                   </a:extLst>
                 </a:gridCol>
-                <a:gridCol w="1248433">
+                <a:gridCol w="1187512">
                   <a:extLst>
                     <a:ext uri="{9D8B030D-6E8A-4147-A177-3AD203B41FA5}">
                       <a16:colId xmlns:a16="http://schemas.microsoft.com/office/drawing/2014/main" val="281468882"/>
                     </a:ext>
                   </a:extLst>
                 </a:gridCol>
-                <a:gridCol w="1247397">
+                <a:gridCol w="1186527">
                   <a:extLst>
                     <a:ext uri="{9D8B030D-6E8A-4147-A177-3AD203B41FA5}">
                       <a16:colId xmlns:a16="http://schemas.microsoft.com/office/drawing/2014/main" val="3286649981"/>
                     </a:ext>
                   </a:extLst>
                 </a:gridCol>
-                <a:gridCol w="1248433">
+                <a:gridCol w="1187512">
                   <a:extLst>
                     <a:ext uri="{9D8B030D-6E8A-4147-A177-3AD203B41FA5}">
                       <a16:colId xmlns:a16="http://schemas.microsoft.com/office/drawing/2014/main" val="3292966882"/>
                     </a:ext>
                   </a:extLst>
                 </a:gridCol>
-                <a:gridCol w="1444574">
+                <a:gridCol w="1374082">
                   <a:extLst>
                     <a:ext uri="{9D8B030D-6E8A-4147-A177-3AD203B41FA5}">
                       <a16:colId xmlns:a16="http://schemas.microsoft.com/office/drawing/2014/main" val="2381250388"/>
@@ -11091,12 +11058,12 @@
                         </a:spcAft>
                       </a:pPr>
                       <a:r>
-                        <a:rPr lang="en-US" sz="1300" kern="0">
+                        <a:rPr lang="en-US" sz="1300" kern="0" dirty="0">
                           <a:effectLst/>
                         </a:rPr>
                         <a:t>350</a:t>
                       </a:r>
-                      <a:endParaRPr lang="zh-CN" sz="600" kern="100">
+                      <a:endParaRPr lang="zh-CN" sz="600" kern="100" dirty="0">
                         <a:effectLst/>
                         <a:latin typeface="Calibri" panose="020F0502020204030204" pitchFamily="34" charset="0"/>
                         <a:ea typeface="宋体" panose="02010600030101010101" pitchFamily="2" charset="-122"/>
@@ -12392,14 +12359,14 @@
           <p:nvPr>
             <p:extLst>
               <p:ext uri="{D42A27DB-BD31-4B8C-83A1-F6EECF244321}">
-                <p14:modId xmlns:p14="http://schemas.microsoft.com/office/powerpoint/2010/main" val="3440830545"/>
+                <p14:modId xmlns:p14="http://schemas.microsoft.com/office/powerpoint/2010/main" val="3211084625"/>
               </p:ext>
             </p:extLst>
           </p:nvPr>
         </p:nvGraphicFramePr>
         <p:xfrm>
-          <a:off x="988142" y="2462981"/>
-          <a:ext cx="10365658" cy="3713981"/>
+          <a:off x="1442302" y="2462981"/>
+          <a:ext cx="9662474" cy="3419347"/>
         </p:xfrm>
         <a:graphic>
           <a:graphicData uri="http://schemas.openxmlformats.org/drawingml/2006/table">
@@ -12408,56 +12375,56 @@
                 <a:tableStyleId>{5C22544A-7EE6-4342-B048-85BDC9FD1C3A}</a:tableStyleId>
               </a:tblPr>
               <a:tblGrid>
-                <a:gridCol w="1412673">
+                <a:gridCol w="934431">
                   <a:extLst>
                     <a:ext uri="{9D8B030D-6E8A-4147-A177-3AD203B41FA5}">
                       <a16:colId xmlns:a16="http://schemas.microsoft.com/office/drawing/2014/main" val="1835593004"/>
                     </a:ext>
                   </a:extLst>
                 </a:gridCol>
-                <a:gridCol w="1283606">
+                <a:gridCol w="1251356">
                   <a:extLst>
                     <a:ext uri="{9D8B030D-6E8A-4147-A177-3AD203B41FA5}">
                       <a16:colId xmlns:a16="http://schemas.microsoft.com/office/drawing/2014/main" val="2833878962"/>
                     </a:ext>
                   </a:extLst>
                 </a:gridCol>
-                <a:gridCol w="1218065">
+                <a:gridCol w="1187461">
                   <a:extLst>
                     <a:ext uri="{9D8B030D-6E8A-4147-A177-3AD203B41FA5}">
                       <a16:colId xmlns:a16="http://schemas.microsoft.com/office/drawing/2014/main" val="2291199758"/>
                     </a:ext>
                   </a:extLst>
                 </a:gridCol>
-                <a:gridCol w="1283606">
+                <a:gridCol w="1251356">
                   <a:extLst>
                     <a:ext uri="{9D8B030D-6E8A-4147-A177-3AD203B41FA5}">
                       <a16:colId xmlns:a16="http://schemas.microsoft.com/office/drawing/2014/main" val="3734196302"/>
                     </a:ext>
                   </a:extLst>
                 </a:gridCol>
-                <a:gridCol w="1348142">
+                <a:gridCol w="1314270">
                   <a:extLst>
                     <a:ext uri="{9D8B030D-6E8A-4147-A177-3AD203B41FA5}">
                       <a16:colId xmlns:a16="http://schemas.microsoft.com/office/drawing/2014/main" val="849190060"/>
                     </a:ext>
                   </a:extLst>
                 </a:gridCol>
-                <a:gridCol w="1267474">
+                <a:gridCol w="1235629">
                   <a:extLst>
                     <a:ext uri="{9D8B030D-6E8A-4147-A177-3AD203B41FA5}">
                       <a16:colId xmlns:a16="http://schemas.microsoft.com/office/drawing/2014/main" val="3303379403"/>
                     </a:ext>
                   </a:extLst>
                 </a:gridCol>
-                <a:gridCol w="1252350">
+                <a:gridCol w="1220885">
                   <a:extLst>
                     <a:ext uri="{9D8B030D-6E8A-4147-A177-3AD203B41FA5}">
                       <a16:colId xmlns:a16="http://schemas.microsoft.com/office/drawing/2014/main" val="1241561388"/>
                     </a:ext>
                   </a:extLst>
                 </a:gridCol>
-                <a:gridCol w="1299742">
+                <a:gridCol w="1267086">
                   <a:extLst>
                     <a:ext uri="{9D8B030D-6E8A-4147-A177-3AD203B41FA5}">
                       <a16:colId xmlns:a16="http://schemas.microsoft.com/office/drawing/2014/main" val="2864275711"/>
@@ -12465,7 +12432,7 @@
                   </a:extLst>
                 </a:gridCol>
               </a:tblGrid>
-              <a:tr h="480029">
+              <a:tr h="441948">
                 <a:tc>
                   <a:txBody>
                     <a:bodyPr/>
@@ -12728,7 +12695,7 @@
                   </a:ext>
                 </a:extLst>
               </a:tr>
-              <a:tr h="480998">
+              <a:tr h="442840">
                 <a:tc>
                   <a:txBody>
                     <a:bodyPr/>
@@ -12991,7 +12958,7 @@
                   </a:ext>
                 </a:extLst>
               </a:tr>
-              <a:tr h="480998">
+              <a:tr h="442840">
                 <a:tc>
                   <a:txBody>
                     <a:bodyPr/>
@@ -13254,7 +13221,7 @@
                   </a:ext>
                 </a:extLst>
               </a:tr>
-              <a:tr h="347964">
+              <a:tr h="320359">
                 <a:tc>
                   <a:txBody>
                     <a:bodyPr/>
@@ -13517,7 +13484,7 @@
                   </a:ext>
                 </a:extLst>
               </a:tr>
-              <a:tr h="480998">
+              <a:tr h="442840">
                 <a:tc>
                   <a:txBody>
                     <a:bodyPr/>
@@ -13780,7 +13747,7 @@
                   </a:ext>
                 </a:extLst>
               </a:tr>
-              <a:tr h="480998">
+              <a:tr h="442840">
                 <a:tc>
                   <a:txBody>
                     <a:bodyPr/>
@@ -14043,7 +14010,7 @@
                   </a:ext>
                 </a:extLst>
               </a:tr>
-              <a:tr h="480998">
+              <a:tr h="442840">
                 <a:tc>
                   <a:txBody>
                     <a:bodyPr/>
@@ -14306,7 +14273,7 @@
                   </a:ext>
                 </a:extLst>
               </a:tr>
-              <a:tr h="480998">
+              <a:tr h="442840">
                 <a:tc>
                   <a:txBody>
                     <a:bodyPr/>
@@ -14673,6 +14640,10 @@
               <a:rPr lang="zh-CN" altLang="zh-CN" dirty="0"/>
               <a:t>控制音符的演奏时间</a:t>
             </a:r>
+            <a:r>
+              <a:rPr lang="zh-CN" altLang="en-US" dirty="0"/>
+              <a:t>。</a:t>
+            </a:r>
             <a:endParaRPr lang="en-US" altLang="zh-CN" dirty="0"/>
           </a:p>
           <a:p>
@@ -14694,7 +14665,15 @@
             </a:r>
             <a:r>
               <a:rPr lang="zh-CN" altLang="zh-CN" dirty="0"/>
-              <a:t>拍，我们规定一拍音符的时间为</a:t>
+              <a:t>拍</a:t>
+            </a:r>
+            <a:r>
+              <a:rPr lang="zh-CN" altLang="en-US" dirty="0"/>
+              <a:t>。</a:t>
+            </a:r>
+            <a:r>
+              <a:rPr lang="zh-CN" altLang="zh-CN" dirty="0"/>
+              <a:t>我们规定一拍音符的时间为</a:t>
             </a:r>
             <a:r>
               <a:rPr lang="en-US" altLang="zh-CN" dirty="0"/>
@@ -14742,7 +14721,19 @@
             </a:r>
             <a:r>
               <a:rPr lang="zh-CN" altLang="zh-CN" dirty="0"/>
-              <a:t>……，所以我们可以为每个音符赋予这样的拍子播放出来</a:t>
+              <a:t>……，可以为每个音符赋予这样的拍子</a:t>
+            </a:r>
+            <a:r>
+              <a:rPr lang="zh-CN" altLang="en-US" dirty="0"/>
+              <a:t>并</a:t>
+            </a:r>
+            <a:r>
+              <a:rPr lang="zh-CN" altLang="zh-CN" dirty="0"/>
+              <a:t>播放出来</a:t>
+            </a:r>
+            <a:r>
+              <a:rPr lang="zh-CN" altLang="en-US" dirty="0"/>
+              <a:t>。</a:t>
             </a:r>
             <a:endParaRPr lang="en-US" altLang="zh-CN" dirty="0"/>
           </a:p>
@@ -14765,7 +14756,7 @@
             </a:r>
             <a:r>
               <a:rPr lang="zh-CN" altLang="en-US" dirty="0"/>
-              <a:t>为例</a:t>
+              <a:t>为例。</a:t>
             </a:r>
           </a:p>
         </p:txBody>
@@ -15105,7 +15096,15 @@
           <a:p>
             <a:r>
               <a:rPr lang="zh-CN" altLang="zh-CN" dirty="0"/>
-              <a:t>从简谱看，该音乐是</a:t>
+              <a:t>该</a:t>
+            </a:r>
+            <a:r>
+              <a:rPr lang="zh-CN" altLang="en-US" dirty="0"/>
+              <a:t>曲子</a:t>
+            </a:r>
+            <a:r>
+              <a:rPr lang="zh-CN" altLang="zh-CN" dirty="0"/>
+              <a:t>是</a:t>
             </a:r>
             <a:r>
               <a:rPr lang="en-US" altLang="zh-CN" dirty="0"/>
@@ -15113,7 +15112,15 @@
             </a:r>
             <a:r>
               <a:rPr lang="zh-CN" altLang="zh-CN" dirty="0"/>
-              <a:t>调的，这里的各音符对应的频率对应的是上表中</a:t>
+              <a:t>调，各音符的频率</a:t>
+            </a:r>
+            <a:r>
+              <a:rPr lang="zh-CN" altLang="en-US" dirty="0"/>
+              <a:t>参考</a:t>
+            </a:r>
+            <a:r>
+              <a:rPr lang="zh-CN" altLang="zh-CN" dirty="0"/>
+              <a:t>表中</a:t>
             </a:r>
             <a:r>
               <a:rPr lang="en-US" altLang="zh-CN" dirty="0"/>
@@ -15121,7 +15128,7 @@
             </a:r>
             <a:r>
               <a:rPr lang="zh-CN" altLang="zh-CN" dirty="0"/>
-              <a:t>调的部分。另外，该音乐为四分之四拍，每个对应为</a:t>
+              <a:t>调部分。另外，该音乐为四分之四拍，每个对应为</a:t>
             </a:r>
             <a:r>
               <a:rPr lang="en-US" altLang="zh-CN" dirty="0"/>
@@ -15205,6 +15212,10 @@
               <a:rPr lang="en-US" altLang="zh-CN" dirty="0"/>
               <a:t>1+0.5</a:t>
             </a:r>
+            <a:r>
+              <a:rPr lang="zh-CN" altLang="en-US" dirty="0"/>
+              <a:t>。</a:t>
+            </a:r>
             <a:endParaRPr lang="zh-CN" altLang="zh-CN" dirty="0"/>
           </a:p>
           <a:p>
@@ -15214,7 +15225,27 @@
             </a:pPr>
             <a:r>
               <a:rPr lang="zh-CN" altLang="zh-CN" dirty="0"/>
-              <a:t>有的音符后带一个—，表示多加</a:t>
+              <a:t>有的音符后带一个</a:t>
+            </a:r>
+            <a:r>
+              <a:rPr lang="zh-CN" altLang="en-US" dirty="0"/>
+              <a:t>“</a:t>
+            </a:r>
+            <a:r>
+              <a:rPr lang="en-US" altLang="zh-CN" dirty="0"/>
+              <a:t>-</a:t>
+            </a:r>
+            <a:r>
+              <a:rPr lang="zh-CN" altLang="en-US" dirty="0"/>
+              <a:t>”</a:t>
+            </a:r>
+            <a:r>
+              <a:rPr lang="zh-CN" altLang="zh-CN" dirty="0"/>
+              <a:t>，表示多</a:t>
+            </a:r>
+            <a:r>
+              <a:rPr lang="zh-CN" altLang="en-US" dirty="0"/>
+              <a:t>持续</a:t>
             </a:r>
             <a:r>
               <a:rPr lang="en-US" altLang="zh-CN" dirty="0"/>
@@ -15227,6 +15258,10 @@
             <a:r>
               <a:rPr lang="en-US" altLang="zh-CN" dirty="0"/>
               <a:t>1+1</a:t>
+            </a:r>
+            <a:r>
+              <a:rPr lang="zh-CN" altLang="en-US" dirty="0"/>
+              <a:t>。</a:t>
             </a:r>
             <a:endParaRPr lang="zh-CN" altLang="zh-CN" dirty="0"/>
           </a:p>
@@ -15239,7 +15274,10 @@
               <a:rPr lang="zh-CN" altLang="zh-CN" dirty="0"/>
               <a:t>有的两个连续的音符上面带弧线，表示连音，可以稍微改下连音后面那个音的频率，比如减少或增加一些数值（需自己调试），这样表现会更流畅，其实不做处理，影响也不大</a:t>
             </a:r>
-            <a:endParaRPr lang="zh-CN" altLang="en-US" dirty="0"/>
+            <a:r>
+              <a:rPr lang="zh-CN" altLang="en-US" dirty="0"/>
+              <a:t>。</a:t>
+            </a:r>
           </a:p>
         </p:txBody>
       </p:sp>
@@ -15345,7 +15383,7 @@
           <a:p>
             <a:r>
               <a:rPr lang="zh-CN" altLang="en-US" dirty="0"/>
-              <a:t>播放音乐</a:t>
+              <a:t>播放音乐。</a:t>
             </a:r>
             <a:endParaRPr lang="en-US" altLang="zh-CN" dirty="0"/>
           </a:p>
@@ -15356,7 +15394,7 @@
             </a:r>
             <a:r>
               <a:rPr lang="zh-CN" altLang="en-US" dirty="0"/>
-              <a:t>灯伴随音乐节奏闪烁</a:t>
+              <a:t>灯伴随音乐节奏闪烁。</a:t>
             </a:r>
           </a:p>
         </p:txBody>
@@ -15478,7 +15516,7 @@
             </a:r>
             <a:r>
               <a:rPr lang="zh-CN" altLang="en-US" dirty="0"/>
-              <a:t>个一组，分别对应行和列，通过按键扫描的方法，对不同行（列）分别输入高低电平，然后读取不同列（行）上的电平，从而知道键盘上的某一按键按下。</a:t>
+              <a:t>个一组，分别对应行和列。通过按键扫描的方法，对不同行（列）分别输入高低电平，然后读取不同列（行）上的电平，从而知道键盘上的某一按键按下。</a:t>
             </a:r>
           </a:p>
           <a:p>
@@ -15538,6 +15576,11 @@
               <a:rPr lang="en-US" altLang="zh-CN" dirty="0"/>
               <a:t>2</a:t>
             </a:r>
+            <a:r>
+              <a:rPr lang="zh-CN" altLang="en-US" dirty="0"/>
+              <a:t>。</a:t>
+            </a:r>
+            <a:endParaRPr lang="en-US" altLang="zh-CN" dirty="0"/>
           </a:p>
           <a:p>
             <a:endParaRPr lang="zh-CN" altLang="en-US" dirty="0"/>
@@ -16274,13 +16317,18 @@
           <a:p>
             <a:pPr lvl="1"/>
             <a:r>
-              <a:rPr lang="zh-CN" altLang="en-US"/>
+              <a:rPr lang="zh-CN" altLang="en-US" dirty="0"/>
               <a:t>需要库</a:t>
             </a:r>
             <a:r>
               <a:rPr lang="en-US" altLang="zh-CN" dirty="0"/>
               <a:t>keymap</a:t>
             </a:r>
+            <a:r>
+              <a:rPr lang="zh-CN" altLang="en-US"/>
+              <a:t>。</a:t>
+            </a:r>
+            <a:endParaRPr lang="en-US" altLang="zh-CN" dirty="0"/>
           </a:p>
           <a:p>
             <a:pPr lvl="1"/>
@@ -16310,7 +16358,7 @@
             </a:r>
             <a:r>
               <a:rPr lang="zh-CN" altLang="en-US" dirty="0"/>
-              <a:t>，然后安装即可</a:t>
+              <a:t>，然后安装即可。</a:t>
             </a:r>
             <a:endParaRPr lang="en-US" altLang="zh-CN" dirty="0"/>
           </a:p>
